--- a/Веб презентация Титовец Софья.pptx
+++ b/Веб презентация Титовец Софья.pptx
@@ -21,18 +21,18 @@
   <p:notesSz cx="6858000" cy="9144000"/>
   <p:embeddedFontLst>
     <p:embeddedFont>
-      <p:font typeface="Montserrat Medium" pitchFamily="2" charset="-52"/>
+      <p:font typeface="Days One" panose="020B0604020202020204" charset="0"/>
       <p:regular r:id="rId11"/>
-      <p:bold r:id="rId12"/>
-      <p:italic r:id="rId13"/>
-      <p:boldItalic r:id="rId14"/>
-    </p:embeddedFont>
-    <p:embeddedFont>
-      <p:font typeface="Days One" panose="020B0604020202020204" charset="0"/>
-      <p:regular r:id="rId15"/>
     </p:embeddedFont>
     <p:embeddedFont>
       <p:font typeface="Montserrat" panose="00000500000000000000" pitchFamily="2" charset="-52"/>
+      <p:regular r:id="rId12"/>
+      <p:bold r:id="rId13"/>
+      <p:italic r:id="rId14"/>
+      <p:boldItalic r:id="rId15"/>
+    </p:embeddedFont>
+    <p:embeddedFont>
+      <p:font typeface="Montserrat Medium" pitchFamily="2" charset="-52"/>
       <p:regular r:id="rId16"/>
       <p:bold r:id="rId17"/>
       <p:italic r:id="rId18"/>
@@ -8644,6 +8644,48 @@
               <a:buFont typeface="Montserrat Medium"/>
               <a:buChar char="●"/>
             </a:pPr>
+            <a:r>
+              <a:rPr lang="en-US" sz="1800" smtClean="0">
+                <a:solidFill>
+                  <a:schemeClr val="dk1"/>
+                </a:solidFill>
+                <a:latin typeface="Montserrat Medium"/>
+                <a:ea typeface="Montserrat Medium"/>
+                <a:cs typeface="Montserrat Medium"/>
+              </a:rPr>
+              <a:t>Replit (</a:t>
+            </a:r>
+            <a:r>
+              <a:rPr lang="ru-RU" sz="1800" smtClean="0">
+                <a:solidFill>
+                  <a:schemeClr val="dk1"/>
+                </a:solidFill>
+                <a:latin typeface="Montserrat Medium"/>
+                <a:ea typeface="Montserrat Medium"/>
+                <a:cs typeface="Montserrat Medium"/>
+              </a:rPr>
+              <a:t>хостинг)</a:t>
+            </a:r>
+            <a:endParaRPr lang="ru-RU" sz="1800" dirty="0" smtClean="0">
+              <a:solidFill>
+                <a:schemeClr val="dk1"/>
+              </a:solidFill>
+              <a:latin typeface="Montserrat Medium"/>
+              <a:ea typeface="Montserrat Medium"/>
+              <a:cs typeface="Montserrat Medium"/>
+            </a:endParaRPr>
+          </a:p>
+          <a:p>
+            <a:pPr>
+              <a:spcBef>
+                <a:spcPts val="1000"/>
+              </a:spcBef>
+              <a:buClr>
+                <a:schemeClr val="dk1"/>
+              </a:buClr>
+              <a:buFont typeface="Montserrat Medium"/>
+              <a:buChar char="●"/>
+            </a:pPr>
             <a:endParaRPr lang="ru-RU" sz="1800" dirty="0">
               <a:solidFill>
                 <a:schemeClr val="dk1"/>
@@ -8982,18 +9024,7 @@
                 <a:ea typeface="Montserrat Medium"/>
                 <a:cs typeface="Montserrat Medium"/>
               </a:rPr>
-              <a:t>Создание </a:t>
-            </a:r>
-            <a:r>
-              <a:rPr lang="ru-RU" sz="1800" dirty="0">
-                <a:solidFill>
-                  <a:schemeClr val="dk1"/>
-                </a:solidFill>
-                <a:latin typeface="Montserrat Medium"/>
-                <a:ea typeface="Montserrat Medium"/>
-                <a:cs typeface="Montserrat Medium"/>
-              </a:rPr>
-              <a:t>напоминаний с гибким </a:t>
+              <a:t>Создание напоминаний с гибким </a:t>
             </a:r>
             <a:r>
               <a:rPr lang="ru-RU" sz="1800" dirty="0" err="1">
@@ -9521,18 +9552,7 @@
                 <a:ea typeface="Montserrat Medium"/>
                 <a:cs typeface="Montserrat Medium"/>
               </a:rPr>
-              <a:t>успешно</a:t>
-            </a:r>
-            <a:r>
-              <a:rPr lang="ru-RU" sz="1800" dirty="0">
-                <a:solidFill>
-                  <a:schemeClr val="dk1"/>
-                </a:solidFill>
-                <a:latin typeface="+mj-lt"/>
-                <a:ea typeface="Montserrat Medium"/>
-                <a:cs typeface="Montserrat Medium"/>
-              </a:rPr>
-              <a:t> решает задачи планирования и уведомлений</a:t>
+              <a:t>успешно решает задачи планирования и уведомлений</a:t>
             </a:r>
           </a:p>
           <a:p>

--- a/Веб презентация Титовец Софья.pptx
+++ b/Веб презентация Титовец Софья.pptx
@@ -21,25 +21,25 @@
   <p:notesSz cx="6858000" cy="9144000"/>
   <p:embeddedFontLst>
     <p:embeddedFont>
+      <p:font typeface="Open Sans" panose="020B0606030504020204" pitchFamily="34" charset="0"/>
+      <p:regular r:id="rId11"/>
+      <p:bold r:id="rId12"/>
+      <p:italic r:id="rId13"/>
+      <p:boldItalic r:id="rId14"/>
+    </p:embeddedFont>
+    <p:embeddedFont>
+      <p:font typeface="Montserrat Medium" pitchFamily="2" charset="-52"/>
+      <p:regular r:id="rId15"/>
+      <p:bold r:id="rId16"/>
+      <p:italic r:id="rId17"/>
+      <p:boldItalic r:id="rId18"/>
+    </p:embeddedFont>
+    <p:embeddedFont>
       <p:font typeface="Days One" panose="020B0604020202020204" charset="0"/>
-      <p:regular r:id="rId11"/>
+      <p:regular r:id="rId19"/>
     </p:embeddedFont>
     <p:embeddedFont>
       <p:font typeface="Montserrat" panose="00000500000000000000" pitchFamily="2" charset="-52"/>
-      <p:regular r:id="rId12"/>
-      <p:bold r:id="rId13"/>
-      <p:italic r:id="rId14"/>
-      <p:boldItalic r:id="rId15"/>
-    </p:embeddedFont>
-    <p:embeddedFont>
-      <p:font typeface="Montserrat Medium" pitchFamily="2" charset="-52"/>
-      <p:regular r:id="rId16"/>
-      <p:bold r:id="rId17"/>
-      <p:italic r:id="rId18"/>
-      <p:boldItalic r:id="rId19"/>
-    </p:embeddedFont>
-    <p:embeddedFont>
-      <p:font typeface="Open Sans" panose="020B0606030504020204" pitchFamily="34" charset="0"/>
       <p:regular r:id="rId20"/>
       <p:bold r:id="rId21"/>
       <p:italic r:id="rId22"/>
@@ -9046,8 +9046,49 @@
                 <a:ea typeface="Montserrat Medium"/>
                 <a:cs typeface="Montserrat Medium"/>
               </a:rPr>
-              <a:t> времени (например, "каждый день в 8 утра").</a:t>
+              <a:t> времени (например, "каждый день в </a:t>
             </a:r>
+            <a:r>
+              <a:rPr lang="ru-RU" sz="1800" dirty="0" smtClean="0">
+                <a:solidFill>
+                  <a:schemeClr val="dk1"/>
+                </a:solidFill>
+                <a:latin typeface="Montserrat Medium"/>
+                <a:ea typeface="Montserrat Medium"/>
+                <a:cs typeface="Montserrat Medium"/>
+              </a:rPr>
+              <a:t>8</a:t>
+            </a:r>
+            <a:r>
+              <a:rPr lang="ru-RU" sz="1800" dirty="0" smtClean="0">
+                <a:solidFill>
+                  <a:schemeClr val="dk1"/>
+                </a:solidFill>
+                <a:latin typeface="Montserrat Medium"/>
+                <a:ea typeface="Montserrat Medium"/>
+                <a:cs typeface="Montserrat Medium"/>
+              </a:rPr>
+              <a:t>:00, через 5 минут, 1 июня в 15:00</a:t>
+            </a:r>
+            <a:r>
+              <a:rPr lang="ru-RU" sz="1800" dirty="0" smtClean="0">
+                <a:solidFill>
+                  <a:schemeClr val="dk1"/>
+                </a:solidFill>
+                <a:latin typeface="Montserrat Medium"/>
+                <a:ea typeface="Montserrat Medium"/>
+                <a:cs typeface="Montserrat Medium"/>
+              </a:rPr>
+              <a:t>").</a:t>
+            </a:r>
+            <a:endParaRPr lang="ru-RU" sz="1800" dirty="0">
+              <a:solidFill>
+                <a:schemeClr val="dk1"/>
+              </a:solidFill>
+              <a:latin typeface="Montserrat Medium"/>
+              <a:ea typeface="Montserrat Medium"/>
+              <a:cs typeface="Montserrat Medium"/>
+            </a:endParaRPr>
           </a:p>
           <a:p>
             <a:pPr marL="457200" lvl="1" indent="-304800">
